--- a/Trimestre 2/Presentación proyecto plantilla SENA.pptx
+++ b/Trimestre 2/Presentación proyecto plantilla SENA.pptx
@@ -153,6 +153,74 @@
 </p:presentation>
 </file>
 
+<file path=ppt/changesInfos/changesInfo1.xml><?xml version="1.0" encoding="utf-8"?>
+<pc:chgInfo xmlns:a="http://schemas.openxmlformats.org/drawingml/2006/main" xmlns:r="http://schemas.openxmlformats.org/officeDocument/2006/relationships" xmlns:ac="http://schemas.microsoft.com/office/drawing/2013/main/command" xmlns:pc="http://schemas.microsoft.com/office/powerpoint/2013/main/command">
+  <pc:docChgLst>
+    <pc:chgData name="Natalia Cueca" userId="8ce537462a3d960c" providerId="LiveId" clId="{7B472D10-B9F5-4A5C-BC61-1AE0A2EA2368}"/>
+    <pc:docChg chg="custSel modSld sldOrd">
+      <pc:chgData name="Natalia Cueca" userId="8ce537462a3d960c" providerId="LiveId" clId="{7B472D10-B9F5-4A5C-BC61-1AE0A2EA2368}" dt="2025-02-27T00:52:15.112" v="23"/>
+      <pc:docMkLst>
+        <pc:docMk/>
+      </pc:docMkLst>
+      <pc:sldChg chg="addSp delSp modSp mod">
+        <pc:chgData name="Natalia Cueca" userId="8ce537462a3d960c" providerId="LiveId" clId="{7B472D10-B9F5-4A5C-BC61-1AE0A2EA2368}" dt="2025-02-27T00:36:03.030" v="21" actId="34135"/>
+        <pc:sldMkLst>
+          <pc:docMk/>
+          <pc:sldMk cId="2227702857" sldId="288"/>
+        </pc:sldMkLst>
+        <pc:picChg chg="add mod">
+          <ac:chgData name="Natalia Cueca" userId="8ce537462a3d960c" providerId="LiveId" clId="{7B472D10-B9F5-4A5C-BC61-1AE0A2EA2368}" dt="2025-02-27T00:35:39.384" v="5" actId="1076"/>
+          <ac:picMkLst>
+            <pc:docMk/>
+            <pc:sldMk cId="2227702857" sldId="288"/>
+            <ac:picMk id="3" creationId="{F7B0F50A-2AE3-0E62-5295-0EAE37781101}"/>
+          </ac:picMkLst>
+        </pc:picChg>
+        <pc:picChg chg="del">
+          <ac:chgData name="Natalia Cueca" userId="8ce537462a3d960c" providerId="LiveId" clId="{7B472D10-B9F5-4A5C-BC61-1AE0A2EA2368}" dt="2025-02-27T00:35:29.866" v="1" actId="478"/>
+          <ac:picMkLst>
+            <pc:docMk/>
+            <pc:sldMk cId="2227702857" sldId="288"/>
+            <ac:picMk id="6" creationId="{2FB534BB-250D-538C-3BC3-57061471B35E}"/>
+          </ac:picMkLst>
+        </pc:picChg>
+        <pc:picChg chg="add mod">
+          <ac:chgData name="Natalia Cueca" userId="8ce537462a3d960c" providerId="LiveId" clId="{7B472D10-B9F5-4A5C-BC61-1AE0A2EA2368}" dt="2025-02-27T00:36:03.030" v="21" actId="34135"/>
+          <ac:picMkLst>
+            <pc:docMk/>
+            <pc:sldMk cId="2227702857" sldId="288"/>
+            <ac:picMk id="9" creationId="{C3A84EF5-D109-54D4-5681-6111D5F55E24}"/>
+          </ac:picMkLst>
+        </pc:picChg>
+        <pc:picChg chg="del">
+          <ac:chgData name="Natalia Cueca" userId="8ce537462a3d960c" providerId="LiveId" clId="{7B472D10-B9F5-4A5C-BC61-1AE0A2EA2368}" dt="2025-02-27T00:35:28.458" v="0" actId="478"/>
+          <ac:picMkLst>
+            <pc:docMk/>
+            <pc:sldMk cId="2227702857" sldId="288"/>
+            <ac:picMk id="11" creationId="{21BDC1B8-E31B-8EF5-E994-5BA0B3891E54}"/>
+          </ac:picMkLst>
+        </pc:picChg>
+        <pc:picChg chg="del">
+          <ac:chgData name="Natalia Cueca" userId="8ce537462a3d960c" providerId="LiveId" clId="{7B472D10-B9F5-4A5C-BC61-1AE0A2EA2368}" dt="2025-02-27T00:35:31.383" v="2" actId="478"/>
+          <ac:picMkLst>
+            <pc:docMk/>
+            <pc:sldMk cId="2227702857" sldId="288"/>
+            <ac:picMk id="13" creationId="{DB49F143-16F5-FA65-CF79-572D1B399212}"/>
+          </ac:picMkLst>
+        </pc:picChg>
+      </pc:sldChg>
+      <pc:sldChg chg="ord">
+        <pc:chgData name="Natalia Cueca" userId="8ce537462a3d960c" providerId="LiveId" clId="{7B472D10-B9F5-4A5C-BC61-1AE0A2EA2368}" dt="2025-02-27T00:52:15.112" v="23"/>
+        <pc:sldMkLst>
+          <pc:docMk/>
+          <pc:sldMk cId="503162278" sldId="290"/>
+        </pc:sldMkLst>
+      </pc:sldChg>
+    </pc:docChg>
+  </pc:docChgLst>
+</pc:chgInfo>
+</file>
+
 <file path=ppt/notesMasters/notesMaster1.xml><?xml version="1.0" encoding="utf-8"?>
 <p:notesMaster xmlns:a="http://schemas.openxmlformats.org/drawingml/2006/main" xmlns:r="http://schemas.openxmlformats.org/officeDocument/2006/relationships" xmlns:p="http://schemas.openxmlformats.org/presentationml/2006/main">
   <p:cSld>
@@ -235,7 +303,7 @@
           <a:p>
             <a:fld id="{6B13E5EF-1DFD-44FE-883B-9E16D519F591}" type="datetimeFigureOut">
               <a:rPr lang="es-CO" smtClean="0"/>
-              <a:t>10/02/2025</a:t>
+              <a:t>26/02/2025</a:t>
             </a:fld>
             <a:endParaRPr lang="es-CO"/>
           </a:p>
@@ -972,7 +1040,7 @@
           <a:p>
             <a:fld id="{B3030C24-9424-B24A-8613-79990C3AA492}" type="datetimeFigureOut">
               <a:rPr lang="es-ES" smtClean="0"/>
-              <a:t>09/02/2025</a:t>
+              <a:t>26/02/2025</a:t>
             </a:fld>
             <a:endParaRPr lang="es-ES"/>
           </a:p>
@@ -1152,7 +1220,7 @@
           <a:p>
             <a:fld id="{B3030C24-9424-B24A-8613-79990C3AA492}" type="datetimeFigureOut">
               <a:rPr lang="es-ES" smtClean="0"/>
-              <a:t>09/02/2025</a:t>
+              <a:t>26/02/2025</a:t>
             </a:fld>
             <a:endParaRPr lang="es-ES"/>
           </a:p>
@@ -1789,7 +1857,7 @@
           <a:p>
             <a:fld id="{B3030C24-9424-B24A-8613-79990C3AA492}" type="datetimeFigureOut">
               <a:rPr lang="es-ES" smtClean="0"/>
-              <a:t>09/02/2025</a:t>
+              <a:t>26/02/2025</a:t>
             </a:fld>
             <a:endParaRPr lang="es-ES"/>
           </a:p>
@@ -2042,7 +2110,7 @@
           <a:p>
             <a:fld id="{B3030C24-9424-B24A-8613-79990C3AA492}" type="datetimeFigureOut">
               <a:rPr lang="es-ES" smtClean="0"/>
-              <a:t>09/02/2025</a:t>
+              <a:t>26/02/2025</a:t>
             </a:fld>
             <a:endParaRPr lang="es-ES"/>
           </a:p>
@@ -2255,7 +2323,7 @@
           <a:p>
             <a:fld id="{B3030C24-9424-B24A-8613-79990C3AA492}" type="datetimeFigureOut">
               <a:rPr lang="es-ES" smtClean="0"/>
-              <a:t>09/02/2025</a:t>
+              <a:t>26/02/2025</a:t>
             </a:fld>
             <a:endParaRPr lang="es-ES"/>
           </a:p>
@@ -6564,10 +6632,10 @@
       </p:pic>
       <p:pic>
         <p:nvPicPr>
-          <p:cNvPr id="6" name="Imagen 5">
+          <p:cNvPr id="3" name="Imagen 2">
             <a:extLst>
               <a:ext uri="{FF2B5EF4-FFF2-40B4-BE49-F238E27FC236}">
-                <a16:creationId xmlns:a16="http://schemas.microsoft.com/office/drawing/2014/main" id="{2FB534BB-250D-538C-3BC3-57061471B35E}"/>
+                <a16:creationId xmlns:a16="http://schemas.microsoft.com/office/drawing/2014/main" id="{F7B0F50A-2AE3-0E62-5295-0EAE37781101}"/>
               </a:ext>
             </a:extLst>
           </p:cNvPr>
@@ -6584,8 +6652,8 @@
         </p:blipFill>
         <p:spPr>
           <a:xfrm>
-            <a:off x="152400" y="1078070"/>
-            <a:ext cx="2887435" cy="3769216"/>
+            <a:off x="2806503" y="888989"/>
+            <a:ext cx="3016631" cy="4132876"/>
           </a:xfrm>
           <a:prstGeom prst="rect">
             <a:avLst/>
@@ -6594,15 +6662,15 @@
       </p:pic>
       <p:pic>
         <p:nvPicPr>
-          <p:cNvPr id="11" name="Imagen 10">
+          <p:cNvPr id="9" name="Imagen 8">
             <a:extLst>
               <a:ext uri="{FF2B5EF4-FFF2-40B4-BE49-F238E27FC236}">
-                <a16:creationId xmlns:a16="http://schemas.microsoft.com/office/drawing/2014/main" id="{21BDC1B8-E31B-8EF5-E994-5BA0B3891E54}"/>
+                <a16:creationId xmlns:a16="http://schemas.microsoft.com/office/drawing/2014/main" id="{C3A84EF5-D109-54D4-5681-6111D5F55E24}"/>
               </a:ext>
             </a:extLst>
           </p:cNvPr>
           <p:cNvPicPr>
-            <a:picLocks noChangeAspect="1"/>
+            <a:picLocks noGrp="1" noRot="1" noChangeAspect="1" noMove="1" noResize="1" noEditPoints="1" noAdjustHandles="1" noChangeArrowheads="1" noChangeShapeType="1" noCrop="1"/>
           </p:cNvPicPr>
           <p:nvPr/>
         </p:nvPicPr>
@@ -6614,38 +6682,8 @@
         </p:blipFill>
         <p:spPr>
           <a:xfrm>
-            <a:off x="3137931" y="1078070"/>
-            <a:ext cx="2799230" cy="3786828"/>
-          </a:xfrm>
-          <a:prstGeom prst="rect">
-            <a:avLst/>
-          </a:prstGeom>
-        </p:spPr>
-      </p:pic>
-      <p:pic>
-        <p:nvPicPr>
-          <p:cNvPr id="13" name="Imagen 12">
-            <a:extLst>
-              <a:ext uri="{FF2B5EF4-FFF2-40B4-BE49-F238E27FC236}">
-                <a16:creationId xmlns:a16="http://schemas.microsoft.com/office/drawing/2014/main" id="{DB49F143-16F5-FA65-CF79-572D1B399212}"/>
-              </a:ext>
-            </a:extLst>
-          </p:cNvPr>
-          <p:cNvPicPr>
-            <a:picLocks noChangeAspect="1"/>
-          </p:cNvPicPr>
-          <p:nvPr/>
-        </p:nvPicPr>
-        <p:blipFill>
-          <a:blip r:embed="rId5"/>
-          <a:stretch>
-            <a:fillRect/>
-          </a:stretch>
-        </p:blipFill>
-        <p:spPr>
-          <a:xfrm>
-            <a:off x="6035256" y="1086876"/>
-            <a:ext cx="2956343" cy="3769216"/>
+            <a:off x="5842823" y="888989"/>
+            <a:ext cx="2724530" cy="3810532"/>
           </a:xfrm>
           <a:prstGeom prst="rect">
             <a:avLst/>
